--- a/00Introduction.pptx
+++ b/00Introduction.pptx
@@ -110,6 +110,11 @@
       </a:defRPr>
     </a:lvl9pPr>
   </p:defaultTextStyle>
+  <p:extLst>
+    <p:ext uri="{EFAFB233-063F-42B5-8137-9DF3F51BA10A}">
+      <p15:sldGuideLst xmlns:p15="http://schemas.microsoft.com/office/powerpoint/2012/main"/>
+    </p:ext>
+  </p:extLst>
 </p:presentation>
 </file>
 
@@ -244,7 +249,7 @@
           <a:p>
             <a:fld id="{C7BB4849-3D43-4D6D-8724-EC62168D4C2E}" type="datetimeFigureOut">
               <a:rPr lang="de-DE" smtClean="0"/>
-              <a:t>05.06.2018</a:t>
+              <a:t>07.06.2018</a:t>
             </a:fld>
             <a:endParaRPr lang="de-DE"/>
           </a:p>
@@ -414,7 +419,7 @@
           <a:p>
             <a:fld id="{C7BB4849-3D43-4D6D-8724-EC62168D4C2E}" type="datetimeFigureOut">
               <a:rPr lang="de-DE" smtClean="0"/>
-              <a:t>05.06.2018</a:t>
+              <a:t>07.06.2018</a:t>
             </a:fld>
             <a:endParaRPr lang="de-DE"/>
           </a:p>
@@ -594,7 +599,7 @@
           <a:p>
             <a:fld id="{C7BB4849-3D43-4D6D-8724-EC62168D4C2E}" type="datetimeFigureOut">
               <a:rPr lang="de-DE" smtClean="0"/>
-              <a:t>05.06.2018</a:t>
+              <a:t>07.06.2018</a:t>
             </a:fld>
             <a:endParaRPr lang="de-DE"/>
           </a:p>
@@ -764,7 +769,7 @@
           <a:p>
             <a:fld id="{C7BB4849-3D43-4D6D-8724-EC62168D4C2E}" type="datetimeFigureOut">
               <a:rPr lang="de-DE" smtClean="0"/>
-              <a:t>05.06.2018</a:t>
+              <a:t>07.06.2018</a:t>
             </a:fld>
             <a:endParaRPr lang="de-DE"/>
           </a:p>
@@ -1010,7 +1015,7 @@
           <a:p>
             <a:fld id="{C7BB4849-3D43-4D6D-8724-EC62168D4C2E}" type="datetimeFigureOut">
               <a:rPr lang="de-DE" smtClean="0"/>
-              <a:t>05.06.2018</a:t>
+              <a:t>07.06.2018</a:t>
             </a:fld>
             <a:endParaRPr lang="de-DE"/>
           </a:p>
@@ -1242,7 +1247,7 @@
           <a:p>
             <a:fld id="{C7BB4849-3D43-4D6D-8724-EC62168D4C2E}" type="datetimeFigureOut">
               <a:rPr lang="de-DE" smtClean="0"/>
-              <a:t>05.06.2018</a:t>
+              <a:t>07.06.2018</a:t>
             </a:fld>
             <a:endParaRPr lang="de-DE"/>
           </a:p>
@@ -1609,7 +1614,7 @@
           <a:p>
             <a:fld id="{C7BB4849-3D43-4D6D-8724-EC62168D4C2E}" type="datetimeFigureOut">
               <a:rPr lang="de-DE" smtClean="0"/>
-              <a:t>05.06.2018</a:t>
+              <a:t>07.06.2018</a:t>
             </a:fld>
             <a:endParaRPr lang="de-DE"/>
           </a:p>
@@ -1727,7 +1732,7 @@
           <a:p>
             <a:fld id="{C7BB4849-3D43-4D6D-8724-EC62168D4C2E}" type="datetimeFigureOut">
               <a:rPr lang="de-DE" smtClean="0"/>
-              <a:t>05.06.2018</a:t>
+              <a:t>07.06.2018</a:t>
             </a:fld>
             <a:endParaRPr lang="de-DE"/>
           </a:p>
@@ -1822,7 +1827,7 @@
           <a:p>
             <a:fld id="{C7BB4849-3D43-4D6D-8724-EC62168D4C2E}" type="datetimeFigureOut">
               <a:rPr lang="de-DE" smtClean="0"/>
-              <a:t>05.06.2018</a:t>
+              <a:t>07.06.2018</a:t>
             </a:fld>
             <a:endParaRPr lang="de-DE"/>
           </a:p>
@@ -2099,7 +2104,7 @@
           <a:p>
             <a:fld id="{C7BB4849-3D43-4D6D-8724-EC62168D4C2E}" type="datetimeFigureOut">
               <a:rPr lang="de-DE" smtClean="0"/>
-              <a:t>05.06.2018</a:t>
+              <a:t>07.06.2018</a:t>
             </a:fld>
             <a:endParaRPr lang="de-DE"/>
           </a:p>
@@ -2352,7 +2357,7 @@
           <a:p>
             <a:fld id="{C7BB4849-3D43-4D6D-8724-EC62168D4C2E}" type="datetimeFigureOut">
               <a:rPr lang="de-DE" smtClean="0"/>
-              <a:t>05.06.2018</a:t>
+              <a:t>07.06.2018</a:t>
             </a:fld>
             <a:endParaRPr lang="de-DE"/>
           </a:p>
@@ -2565,7 +2570,7 @@
           <a:p>
             <a:fld id="{C7BB4849-3D43-4D6D-8724-EC62168D4C2E}" type="datetimeFigureOut">
               <a:rPr lang="de-DE" smtClean="0"/>
-              <a:t>05.06.2018</a:t>
+              <a:t>07.06.2018</a:t>
             </a:fld>
             <a:endParaRPr lang="de-DE"/>
           </a:p>
@@ -3502,7 +3507,17 @@
           <a:p>
             <a:r>
               <a:rPr lang="de-DE" dirty="0" smtClean="0"/>
-              <a:t>Master Pages und User Controls</a:t>
+              <a:t>Master Pages und User </a:t>
+            </a:r>
+            <a:r>
+              <a:rPr lang="de-DE" dirty="0" smtClean="0"/>
+              <a:t>Controls</a:t>
+            </a:r>
+          </a:p>
+          <a:p>
+            <a:r>
+              <a:rPr lang="de-DE" dirty="0" smtClean="0"/>
+              <a:t>Datenzugriff und Controls ADO.NET</a:t>
             </a:r>
             <a:endParaRPr lang="de-DE" dirty="0"/>
           </a:p>
@@ -3585,8 +3600,13 @@
           <a:p>
             <a:r>
               <a:rPr lang="de-DE" dirty="0" smtClean="0"/>
-              <a:t>Datenzugriff</a:t>
-            </a:r>
+              <a:t>Datenzugriff Entity Framework </a:t>
+            </a:r>
+            <a:r>
+              <a:rPr lang="de-DE" smtClean="0"/>
+              <a:t>Model Binding</a:t>
+            </a:r>
+            <a:endParaRPr lang="de-DE" dirty="0" smtClean="0"/>
           </a:p>
           <a:p>
             <a:r>
